--- a/t14_php/CRUD/_doc/Aula_PHP.pptx
+++ b/t14_php/CRUD/_doc/Aula_PHP.pptx
@@ -5,7 +5,7 @@
     <p:sldMasterId id="2147483709" r:id="rId1"/>
   </p:sldMasterIdLst>
   <p:notesMasterIdLst>
-    <p:notesMasterId r:id="rId20"/>
+    <p:notesMasterId r:id="rId23"/>
   </p:notesMasterIdLst>
   <p:sldIdLst>
     <p:sldId id="256" r:id="rId2"/>
@@ -26,6 +26,9 @@
     <p:sldId id="270" r:id="rId17"/>
     <p:sldId id="271" r:id="rId18"/>
     <p:sldId id="269" r:id="rId19"/>
+    <p:sldId id="277" r:id="rId20"/>
+    <p:sldId id="278" r:id="rId21"/>
+    <p:sldId id="280" r:id="rId22"/>
   </p:sldIdLst>
   <p:sldSz cx="12192000" cy="6858000"/>
   <p:notesSz cx="6858000" cy="9144000"/>
@@ -190,7 +193,7 @@
 <file path=ppt/revisionInfo.xml><?xml version="1.0" encoding="utf-8"?>
 <p1510:revInfo xmlns:a="http://schemas.openxmlformats.org/drawingml/2006/main" xmlns:r="http://schemas.openxmlformats.org/officeDocument/2006/relationships" xmlns:p1510="http://schemas.microsoft.com/office/powerpoint/2015/10/main">
   <p1510:revLst>
-    <p1510:client id="{0E11B401-B414-4E38-B487-ED524D07E91D}" v="27" dt="2024-02-22T18:07:22.110"/>
+    <p1510:client id="{1FBD31E1-E9F7-4041-9C72-5D0062914956}" v="2" dt="2024-02-29T22:31:52.529"/>
   </p1510:revLst>
 </p1510:revInfo>
 </file>
@@ -1211,6 +1214,167 @@
       </pc:sldMasterChg>
     </pc:docChg>
   </pc:docChgLst>
+  <pc:docChgLst>
+    <pc:chgData name="PEDRO LUIZ HOLUBOSKI JUNIOR" userId="688a3efd-a2f5-404f-9555-0d4c3f3d21f9" providerId="ADAL" clId="{1FBD31E1-E9F7-4041-9C72-5D0062914956}"/>
+    <pc:docChg chg="undo custSel addSld delSld modSld">
+      <pc:chgData name="PEDRO LUIZ HOLUBOSKI JUNIOR" userId="688a3efd-a2f5-404f-9555-0d4c3f3d21f9" providerId="ADAL" clId="{1FBD31E1-E9F7-4041-9C72-5D0062914956}" dt="2024-02-29T22:32:13.219" v="72" actId="14100"/>
+      <pc:docMkLst>
+        <pc:docMk/>
+      </pc:docMkLst>
+      <pc:sldChg chg="modSp mod">
+        <pc:chgData name="PEDRO LUIZ HOLUBOSKI JUNIOR" userId="688a3efd-a2f5-404f-9555-0d4c3f3d21f9" providerId="ADAL" clId="{1FBD31E1-E9F7-4041-9C72-5D0062914956}" dt="2024-02-29T22:31:22.852" v="63" actId="20577"/>
+        <pc:sldMkLst>
+          <pc:docMk/>
+          <pc:sldMk cId="1629198847" sldId="264"/>
+        </pc:sldMkLst>
+        <pc:spChg chg="mod">
+          <ac:chgData name="PEDRO LUIZ HOLUBOSKI JUNIOR" userId="688a3efd-a2f5-404f-9555-0d4c3f3d21f9" providerId="ADAL" clId="{1FBD31E1-E9F7-4041-9C72-5D0062914956}" dt="2024-02-29T22:31:22.852" v="63" actId="20577"/>
+          <ac:spMkLst>
+            <pc:docMk/>
+            <pc:sldMk cId="1629198847" sldId="264"/>
+            <ac:spMk id="4" creationId="{00000000-0000-0000-0000-000000000000}"/>
+          </ac:spMkLst>
+        </pc:spChg>
+      </pc:sldChg>
+      <pc:sldChg chg="modSp mod">
+        <pc:chgData name="PEDRO LUIZ HOLUBOSKI JUNIOR" userId="688a3efd-a2f5-404f-9555-0d4c3f3d21f9" providerId="ADAL" clId="{1FBD31E1-E9F7-4041-9C72-5D0062914956}" dt="2024-02-29T22:31:07.414" v="44" actId="20577"/>
+        <pc:sldMkLst>
+          <pc:docMk/>
+          <pc:sldMk cId="2175301311" sldId="266"/>
+        </pc:sldMkLst>
+        <pc:spChg chg="mod">
+          <ac:chgData name="PEDRO LUIZ HOLUBOSKI JUNIOR" userId="688a3efd-a2f5-404f-9555-0d4c3f3d21f9" providerId="ADAL" clId="{1FBD31E1-E9F7-4041-9C72-5D0062914956}" dt="2024-02-29T22:31:07.414" v="44" actId="20577"/>
+          <ac:spMkLst>
+            <pc:docMk/>
+            <pc:sldMk cId="2175301311" sldId="266"/>
+            <ac:spMk id="4" creationId="{00000000-0000-0000-0000-000000000000}"/>
+          </ac:spMkLst>
+        </pc:spChg>
+      </pc:sldChg>
+      <pc:sldChg chg="modSp mod">
+        <pc:chgData name="PEDRO LUIZ HOLUBOSKI JUNIOR" userId="688a3efd-a2f5-404f-9555-0d4c3f3d21f9" providerId="ADAL" clId="{1FBD31E1-E9F7-4041-9C72-5D0062914956}" dt="2024-02-29T22:30:59.239" v="37" actId="20577"/>
+        <pc:sldMkLst>
+          <pc:docMk/>
+          <pc:sldMk cId="2878299787" sldId="268"/>
+        </pc:sldMkLst>
+        <pc:spChg chg="mod">
+          <ac:chgData name="PEDRO LUIZ HOLUBOSKI JUNIOR" userId="688a3efd-a2f5-404f-9555-0d4c3f3d21f9" providerId="ADAL" clId="{1FBD31E1-E9F7-4041-9C72-5D0062914956}" dt="2024-02-29T22:30:59.239" v="37" actId="20577"/>
+          <ac:spMkLst>
+            <pc:docMk/>
+            <pc:sldMk cId="2878299787" sldId="268"/>
+            <ac:spMk id="4" creationId="{00000000-0000-0000-0000-000000000000}"/>
+          </ac:spMkLst>
+        </pc:spChg>
+      </pc:sldChg>
+      <pc:sldChg chg="modSp mod">
+        <pc:chgData name="PEDRO LUIZ HOLUBOSKI JUNIOR" userId="688a3efd-a2f5-404f-9555-0d4c3f3d21f9" providerId="ADAL" clId="{1FBD31E1-E9F7-4041-9C72-5D0062914956}" dt="2024-02-29T22:31:14.233" v="52" actId="20577"/>
+        <pc:sldMkLst>
+          <pc:docMk/>
+          <pc:sldMk cId="3293220561" sldId="271"/>
+        </pc:sldMkLst>
+        <pc:spChg chg="mod">
+          <ac:chgData name="PEDRO LUIZ HOLUBOSKI JUNIOR" userId="688a3efd-a2f5-404f-9555-0d4c3f3d21f9" providerId="ADAL" clId="{1FBD31E1-E9F7-4041-9C72-5D0062914956}" dt="2024-02-29T22:30:49.253" v="29" actId="20577"/>
+          <ac:spMkLst>
+            <pc:docMk/>
+            <pc:sldMk cId="3293220561" sldId="271"/>
+            <ac:spMk id="4" creationId="{00000000-0000-0000-0000-000000000000}"/>
+          </ac:spMkLst>
+        </pc:spChg>
+        <pc:spChg chg="mod">
+          <ac:chgData name="PEDRO LUIZ HOLUBOSKI JUNIOR" userId="688a3efd-a2f5-404f-9555-0d4c3f3d21f9" providerId="ADAL" clId="{1FBD31E1-E9F7-4041-9C72-5D0062914956}" dt="2024-02-29T22:31:14.233" v="52" actId="20577"/>
+          <ac:spMkLst>
+            <pc:docMk/>
+            <pc:sldMk cId="3293220561" sldId="271"/>
+            <ac:spMk id="5" creationId="{00000000-0000-0000-0000-000000000000}"/>
+          </ac:spMkLst>
+        </pc:spChg>
+      </pc:sldChg>
+      <pc:sldChg chg="modSp add mod">
+        <pc:chgData name="PEDRO LUIZ HOLUBOSKI JUNIOR" userId="688a3efd-a2f5-404f-9555-0d4c3f3d21f9" providerId="ADAL" clId="{1FBD31E1-E9F7-4041-9C72-5D0062914956}" dt="2024-02-29T22:30:29.434" v="7" actId="6549"/>
+        <pc:sldMkLst>
+          <pc:docMk/>
+          <pc:sldMk cId="3685306994" sldId="277"/>
+        </pc:sldMkLst>
+        <pc:spChg chg="mod">
+          <ac:chgData name="PEDRO LUIZ HOLUBOSKI JUNIOR" userId="688a3efd-a2f5-404f-9555-0d4c3f3d21f9" providerId="ADAL" clId="{1FBD31E1-E9F7-4041-9C72-5D0062914956}" dt="2024-02-29T22:30:26.991" v="6" actId="20577"/>
+          <ac:spMkLst>
+            <pc:docMk/>
+            <pc:sldMk cId="3685306994" sldId="277"/>
+            <ac:spMk id="4" creationId="{9DEA47F0-1199-6EE3-03A6-907C7B642C05}"/>
+          </ac:spMkLst>
+        </pc:spChg>
+        <pc:spChg chg="mod">
+          <ac:chgData name="PEDRO LUIZ HOLUBOSKI JUNIOR" userId="688a3efd-a2f5-404f-9555-0d4c3f3d21f9" providerId="ADAL" clId="{1FBD31E1-E9F7-4041-9C72-5D0062914956}" dt="2024-02-29T22:30:29.434" v="7" actId="6549"/>
+          <ac:spMkLst>
+            <pc:docMk/>
+            <pc:sldMk cId="3685306994" sldId="277"/>
+            <ac:spMk id="5" creationId="{B3C2AAFA-A7FF-AB2F-0F58-C37B5033BC3E}"/>
+          </ac:spMkLst>
+        </pc:spChg>
+      </pc:sldChg>
+      <pc:sldChg chg="addSp delSp modSp add mod">
+        <pc:chgData name="PEDRO LUIZ HOLUBOSKI JUNIOR" userId="688a3efd-a2f5-404f-9555-0d4c3f3d21f9" providerId="ADAL" clId="{1FBD31E1-E9F7-4041-9C72-5D0062914956}" dt="2024-02-29T22:30:34.443" v="10" actId="14100"/>
+        <pc:sldMkLst>
+          <pc:docMk/>
+          <pc:sldMk cId="2721606259" sldId="278"/>
+        </pc:sldMkLst>
+        <pc:picChg chg="add mod">
+          <ac:chgData name="PEDRO LUIZ HOLUBOSKI JUNIOR" userId="688a3efd-a2f5-404f-9555-0d4c3f3d21f9" providerId="ADAL" clId="{1FBD31E1-E9F7-4041-9C72-5D0062914956}" dt="2024-02-29T22:30:34.443" v="10" actId="14100"/>
+          <ac:picMkLst>
+            <pc:docMk/>
+            <pc:sldMk cId="2721606259" sldId="278"/>
+            <ac:picMk id="3" creationId="{66764B86-8B25-627F-AF2A-AF658D70FF43}"/>
+          </ac:picMkLst>
+        </pc:picChg>
+        <pc:picChg chg="del">
+          <ac:chgData name="PEDRO LUIZ HOLUBOSKI JUNIOR" userId="688a3efd-a2f5-404f-9555-0d4c3f3d21f9" providerId="ADAL" clId="{1FBD31E1-E9F7-4041-9C72-5D0062914956}" dt="2024-02-29T22:30:31.167" v="8" actId="478"/>
+          <ac:picMkLst>
+            <pc:docMk/>
+            <pc:sldMk cId="2721606259" sldId="278"/>
+            <ac:picMk id="4" creationId="{DCC1D35A-B726-D6E9-9F64-22703089946A}"/>
+          </ac:picMkLst>
+        </pc:picChg>
+      </pc:sldChg>
+      <pc:sldChg chg="addSp delSp new del mod">
+        <pc:chgData name="PEDRO LUIZ HOLUBOSKI JUNIOR" userId="688a3efd-a2f5-404f-9555-0d4c3f3d21f9" providerId="ADAL" clId="{1FBD31E1-E9F7-4041-9C72-5D0062914956}" dt="2024-02-29T22:31:54.614" v="68" actId="47"/>
+        <pc:sldMkLst>
+          <pc:docMk/>
+          <pc:sldMk cId="3032950421" sldId="279"/>
+        </pc:sldMkLst>
+        <pc:picChg chg="add del">
+          <ac:chgData name="PEDRO LUIZ HOLUBOSKI JUNIOR" userId="688a3efd-a2f5-404f-9555-0d4c3f3d21f9" providerId="ADAL" clId="{1FBD31E1-E9F7-4041-9C72-5D0062914956}" dt="2024-02-29T22:31:47.206" v="66" actId="22"/>
+          <ac:picMkLst>
+            <pc:docMk/>
+            <pc:sldMk cId="3032950421" sldId="279"/>
+            <ac:picMk id="3" creationId="{4635C401-F9B6-7CB8-F1D8-6C726CCF9182}"/>
+          </ac:picMkLst>
+        </pc:picChg>
+      </pc:sldChg>
+      <pc:sldChg chg="addSp delSp modSp add mod">
+        <pc:chgData name="PEDRO LUIZ HOLUBOSKI JUNIOR" userId="688a3efd-a2f5-404f-9555-0d4c3f3d21f9" providerId="ADAL" clId="{1FBD31E1-E9F7-4041-9C72-5D0062914956}" dt="2024-02-29T22:32:13.219" v="72" actId="14100"/>
+        <pc:sldMkLst>
+          <pc:docMk/>
+          <pc:sldMk cId="3868989634" sldId="280"/>
+        </pc:sldMkLst>
+        <pc:picChg chg="del">
+          <ac:chgData name="PEDRO LUIZ HOLUBOSKI JUNIOR" userId="688a3efd-a2f5-404f-9555-0d4c3f3d21f9" providerId="ADAL" clId="{1FBD31E1-E9F7-4041-9C72-5D0062914956}" dt="2024-02-29T22:31:55.800" v="69" actId="478"/>
+          <ac:picMkLst>
+            <pc:docMk/>
+            <pc:sldMk cId="3868989634" sldId="280"/>
+            <ac:picMk id="3" creationId="{1039E0BC-F5B8-7EA8-5F29-D46F9D4E3394}"/>
+          </ac:picMkLst>
+        </pc:picChg>
+        <pc:picChg chg="add mod">
+          <ac:chgData name="PEDRO LUIZ HOLUBOSKI JUNIOR" userId="688a3efd-a2f5-404f-9555-0d4c3f3d21f9" providerId="ADAL" clId="{1FBD31E1-E9F7-4041-9C72-5D0062914956}" dt="2024-02-29T22:32:13.219" v="72" actId="14100"/>
+          <ac:picMkLst>
+            <pc:docMk/>
+            <pc:sldMk cId="3868989634" sldId="280"/>
+            <ac:picMk id="4" creationId="{CB322958-2C57-81B1-FBA5-6F961DF9CA6E}"/>
+          </ac:picMkLst>
+        </pc:picChg>
+      </pc:sldChg>
+    </pc:docChg>
+  </pc:docChgLst>
 </pc:chgInfo>
 </file>
 
@@ -1297,7 +1461,7 @@
             <a:fld id="{788D67E0-0B91-4F8D-A5EF-3EBC4F4AC649}" type="datetimeFigureOut">
               <a:rPr lang="pt-BR" smtClean="0"/>
               <a:pPr/>
-              <a:t>22/02/2024</a:t>
+              <a:t>29/02/2024</a:t>
             </a:fld>
             <a:endParaRPr lang="pt-BR"/>
           </a:p>
@@ -1662,7 +1826,7 @@
           <a:p>
             <a:fld id="{D2FE646E-1960-4E0C-BF1C-B564AD1C6933}" type="datetimeFigureOut">
               <a:rPr lang="pt-BR" smtClean="0"/>
-              <a:t>22/02/2024</a:t>
+              <a:t>29/02/2024</a:t>
             </a:fld>
             <a:endParaRPr lang="pt-BR"/>
           </a:p>
@@ -1842,7 +2006,7 @@
           <a:p>
             <a:fld id="{D2FE646E-1960-4E0C-BF1C-B564AD1C6933}" type="datetimeFigureOut">
               <a:rPr lang="pt-BR" smtClean="0"/>
-              <a:t>22/02/2024</a:t>
+              <a:t>29/02/2024</a:t>
             </a:fld>
             <a:endParaRPr lang="pt-BR"/>
           </a:p>
@@ -2032,7 +2196,7 @@
           <a:p>
             <a:fld id="{D2FE646E-1960-4E0C-BF1C-B564AD1C6933}" type="datetimeFigureOut">
               <a:rPr lang="pt-BR" smtClean="0"/>
-              <a:t>22/02/2024</a:t>
+              <a:t>29/02/2024</a:t>
             </a:fld>
             <a:endParaRPr lang="pt-BR"/>
           </a:p>
@@ -2201,7 +2365,7 @@
             <a:fld id="{10239F4B-5394-4E1A-B28D-EFB525AE84E5}" type="datetimeFigureOut">
               <a:rPr lang="pt-BR" smtClean="0"/>
               <a:pPr/>
-              <a:t>22/02/2024</a:t>
+              <a:t>29/02/2024</a:t>
             </a:fld>
             <a:endParaRPr lang="pt-BR"/>
           </a:p>
@@ -2512,7 +2676,7 @@
           <a:p>
             <a:fld id="{D2FE646E-1960-4E0C-BF1C-B564AD1C6933}" type="datetimeFigureOut">
               <a:rPr lang="pt-BR" smtClean="0"/>
-              <a:t>22/02/2024</a:t>
+              <a:t>29/02/2024</a:t>
             </a:fld>
             <a:endParaRPr lang="pt-BR"/>
           </a:p>
@@ -2849,7 +3013,7 @@
             <a:fld id="{10239F4B-5394-4E1A-B28D-EFB525AE84E5}" type="datetimeFigureOut">
               <a:rPr lang="pt-BR" smtClean="0"/>
               <a:pPr/>
-              <a:t>22/02/2024</a:t>
+              <a:t>29/02/2024</a:t>
             </a:fld>
             <a:endParaRPr lang="pt-BR"/>
           </a:p>
@@ -3121,7 +3285,7 @@
             <a:fld id="{10239F4B-5394-4E1A-B28D-EFB525AE84E5}" type="datetimeFigureOut">
               <a:rPr lang="pt-BR" smtClean="0"/>
               <a:pPr/>
-              <a:t>22/02/2024</a:t>
+              <a:t>29/02/2024</a:t>
             </a:fld>
             <a:endParaRPr lang="pt-BR"/>
           </a:p>
@@ -3511,7 +3675,7 @@
             <a:fld id="{10239F4B-5394-4E1A-B28D-EFB525AE84E5}" type="datetimeFigureOut">
               <a:rPr lang="pt-BR" smtClean="0"/>
               <a:pPr/>
-              <a:t>22/02/2024</a:t>
+              <a:t>29/02/2024</a:t>
             </a:fld>
             <a:endParaRPr lang="pt-BR"/>
           </a:p>
@@ -3670,7 +3834,7 @@
           <a:p>
             <a:fld id="{D2FE646E-1960-4E0C-BF1C-B564AD1C6933}" type="datetimeFigureOut">
               <a:rPr lang="pt-BR" smtClean="0"/>
-              <a:t>22/02/2024</a:t>
+              <a:t>29/02/2024</a:t>
             </a:fld>
             <a:endParaRPr lang="pt-BR"/>
           </a:p>
@@ -3777,7 +3941,7 @@
           <a:p>
             <a:fld id="{D2FE646E-1960-4E0C-BF1C-B564AD1C6933}" type="datetimeFigureOut">
               <a:rPr lang="pt-BR" smtClean="0"/>
-              <a:t>22/02/2024</a:t>
+              <a:t>29/02/2024</a:t>
             </a:fld>
             <a:endParaRPr lang="pt-BR"/>
           </a:p>
@@ -4065,7 +4229,7 @@
             <a:fld id="{10239F4B-5394-4E1A-B28D-EFB525AE84E5}" type="datetimeFigureOut">
               <a:rPr lang="pt-BR" smtClean="0"/>
               <a:pPr/>
-              <a:t>22/02/2024</a:t>
+              <a:t>29/02/2024</a:t>
             </a:fld>
             <a:endParaRPr lang="pt-BR"/>
           </a:p>
@@ -4349,7 +4513,7 @@
             <a:fld id="{10239F4B-5394-4E1A-B28D-EFB525AE84E5}" type="datetimeFigureOut">
               <a:rPr lang="pt-BR" smtClean="0"/>
               <a:pPr/>
-              <a:t>22/02/2024</a:t>
+              <a:t>29/02/2024</a:t>
             </a:fld>
             <a:endParaRPr lang="pt-BR"/>
           </a:p>
@@ -4646,7 +4810,7 @@
           <a:p>
             <a:fld id="{D2FE646E-1960-4E0C-BF1C-B564AD1C6933}" type="datetimeFigureOut">
               <a:rPr lang="pt-BR" smtClean="0"/>
-              <a:t>22/02/2024</a:t>
+              <a:t>29/02/2024</a:t>
             </a:fld>
             <a:endParaRPr lang="pt-BR"/>
           </a:p>
@@ -5444,7 +5608,7 @@
           <a:p>
             <a:r>
               <a:rPr lang="pt-BR" dirty="0"/>
-              <a:t>Acesso à Base de Dados</a:t>
+              <a:t>Cadastrar</a:t>
             </a:r>
           </a:p>
         </p:txBody>
@@ -5608,7 +5772,7 @@
           <a:p>
             <a:r>
               <a:rPr lang="pt-BR" dirty="0"/>
-              <a:t>Acesso à Base de Dados</a:t>
+              <a:t>Alterar</a:t>
             </a:r>
           </a:p>
         </p:txBody>
@@ -5772,7 +5936,7 @@
           <a:p>
             <a:r>
               <a:rPr lang="pt-BR" dirty="0"/>
-              <a:t>Acesso à Base de Dados</a:t>
+              <a:t>Excluir</a:t>
             </a:r>
           </a:p>
         </p:txBody>
@@ -5936,7 +6100,7 @@
           <a:p>
             <a:r>
               <a:rPr lang="pt-BR" dirty="0"/>
-              <a:t>Acesso à Base de Dados</a:t>
+              <a:t>Pesquisar</a:t>
             </a:r>
           </a:p>
         </p:txBody>
@@ -6067,6 +6231,107 @@
 </p:sld>
 </file>
 
+<file path=ppt/slides/slide19.xml><?xml version="1.0" encoding="utf-8"?>
+<p:sld xmlns:a="http://schemas.openxmlformats.org/drawingml/2006/main" xmlns:r="http://schemas.openxmlformats.org/officeDocument/2006/relationships" xmlns:p="http://schemas.openxmlformats.org/presentationml/2006/main">
+  <p:cSld>
+    <p:spTree>
+      <p:nvGrpSpPr>
+        <p:cNvPr id="1" name="">
+          <a:extLst>
+            <a:ext uri="{FF2B5EF4-FFF2-40B4-BE49-F238E27FC236}">
+              <a16:creationId xmlns:a16="http://schemas.microsoft.com/office/drawing/2014/main" id="{98343FD0-F4DF-9513-5F82-085089BCA189}"/>
+            </a:ext>
+          </a:extLst>
+        </p:cNvPr>
+        <p:cNvGrpSpPr/>
+        <p:nvPr/>
+      </p:nvGrpSpPr>
+      <p:grpSpPr>
+        <a:xfrm>
+          <a:off x="0" y="0"/>
+          <a:ext cx="0" cy="0"/>
+          <a:chOff x="0" y="0"/>
+          <a:chExt cx="0" cy="0"/>
+        </a:xfrm>
+      </p:grpSpPr>
+      <p:sp>
+        <p:nvSpPr>
+          <p:cNvPr id="4" name="Título 3">
+            <a:extLst>
+              <a:ext uri="{FF2B5EF4-FFF2-40B4-BE49-F238E27FC236}">
+                <a16:creationId xmlns:a16="http://schemas.microsoft.com/office/drawing/2014/main" id="{9DEA47F0-1199-6EE3-03A6-907C7B642C05}"/>
+              </a:ext>
+            </a:extLst>
+          </p:cNvPr>
+          <p:cNvSpPr>
+            <a:spLocks noGrp="1"/>
+          </p:cNvSpPr>
+          <p:nvPr>
+            <p:ph type="ctrTitle"/>
+          </p:nvPr>
+        </p:nvSpPr>
+        <p:spPr/>
+        <p:txBody>
+          <a:bodyPr/>
+          <a:lstStyle/>
+          <a:p>
+            <a:r>
+              <a:rPr lang="pt-BR" dirty="0"/>
+              <a:t>IMAGEM</a:t>
+            </a:r>
+          </a:p>
+        </p:txBody>
+      </p:sp>
+      <p:sp>
+        <p:nvSpPr>
+          <p:cNvPr id="5" name="Subtítulo 4">
+            <a:extLst>
+              <a:ext uri="{FF2B5EF4-FFF2-40B4-BE49-F238E27FC236}">
+                <a16:creationId xmlns:a16="http://schemas.microsoft.com/office/drawing/2014/main" id="{B3C2AAFA-A7FF-AB2F-0F58-C37B5033BC3E}"/>
+              </a:ext>
+            </a:extLst>
+          </p:cNvPr>
+          <p:cNvSpPr>
+            <a:spLocks noGrp="1"/>
+          </p:cNvSpPr>
+          <p:nvPr>
+            <p:ph type="subTitle" idx="1"/>
+          </p:nvPr>
+        </p:nvSpPr>
+        <p:spPr/>
+        <p:txBody>
+          <a:bodyPr/>
+          <a:lstStyle/>
+          <a:p>
+            <a:endParaRPr lang="pt-BR" dirty="0"/>
+          </a:p>
+        </p:txBody>
+      </p:sp>
+    </p:spTree>
+    <p:extLst>
+      <p:ext uri="{BB962C8B-B14F-4D97-AF65-F5344CB8AC3E}">
+        <p14:creationId xmlns:p14="http://schemas.microsoft.com/office/powerpoint/2010/main" val="3685306994"/>
+      </p:ext>
+    </p:extLst>
+  </p:cSld>
+  <p:clrMapOvr>
+    <a:masterClrMapping/>
+  </p:clrMapOvr>
+  <mc:AlternateContent xmlns:mc="http://schemas.openxmlformats.org/markup-compatibility/2006" xmlns:p14="http://schemas.microsoft.com/office/powerpoint/2010/main">
+    <mc:Choice Requires="p14">
+      <p:transition p14:dur="100">
+        <p:cut/>
+      </p:transition>
+    </mc:Choice>
+    <mc:Fallback xmlns="">
+      <p:transition>
+        <p:cut/>
+      </p:transition>
+    </mc:Fallback>
+  </mc:AlternateContent>
+</p:sld>
+</file>
+
 <file path=ppt/slides/slide2.xml><?xml version="1.0" encoding="utf-8"?>
 <p:sld xmlns:a="http://schemas.openxmlformats.org/drawingml/2006/main" xmlns:r="http://schemas.openxmlformats.org/officeDocument/2006/relationships" xmlns:p="http://schemas.openxmlformats.org/presentationml/2006/main">
   <p:cSld>
@@ -6151,6 +6416,174 @@
   <p:clrMapOvr>
     <a:masterClrMapping/>
   </p:clrMapOvr>
+</p:sld>
+</file>
+
+<file path=ppt/slides/slide20.xml><?xml version="1.0" encoding="utf-8"?>
+<p:sld xmlns:a="http://schemas.openxmlformats.org/drawingml/2006/main" xmlns:r="http://schemas.openxmlformats.org/officeDocument/2006/relationships" xmlns:p="http://schemas.openxmlformats.org/presentationml/2006/main">
+  <p:cSld>
+    <p:bg>
+      <p:bgPr>
+        <a:noFill/>
+        <a:effectLst/>
+      </p:bgPr>
+    </p:bg>
+    <p:spTree>
+      <p:nvGrpSpPr>
+        <p:cNvPr id="1" name="">
+          <a:extLst>
+            <a:ext uri="{FF2B5EF4-FFF2-40B4-BE49-F238E27FC236}">
+              <a16:creationId xmlns:a16="http://schemas.microsoft.com/office/drawing/2014/main" id="{D5CF57DE-593D-E477-E98B-54108A03102E}"/>
+            </a:ext>
+          </a:extLst>
+        </p:cNvPr>
+        <p:cNvGrpSpPr/>
+        <p:nvPr/>
+      </p:nvGrpSpPr>
+      <p:grpSpPr>
+        <a:xfrm>
+          <a:off x="0" y="0"/>
+          <a:ext cx="0" cy="0"/>
+          <a:chOff x="0" y="0"/>
+          <a:chExt cx="0" cy="0"/>
+        </a:xfrm>
+      </p:grpSpPr>
+      <p:pic>
+        <p:nvPicPr>
+          <p:cNvPr id="3" name="Imagem 2">
+            <a:extLst>
+              <a:ext uri="{FF2B5EF4-FFF2-40B4-BE49-F238E27FC236}">
+                <a16:creationId xmlns:a16="http://schemas.microsoft.com/office/drawing/2014/main" id="{66764B86-8B25-627F-AF2A-AF658D70FF43}"/>
+              </a:ext>
+            </a:extLst>
+          </p:cNvPr>
+          <p:cNvPicPr>
+            <a:picLocks noChangeAspect="1"/>
+          </p:cNvPicPr>
+          <p:nvPr/>
+        </p:nvPicPr>
+        <p:blipFill>
+          <a:blip r:embed="rId2"/>
+          <a:stretch>
+            <a:fillRect/>
+          </a:stretch>
+        </p:blipFill>
+        <p:spPr>
+          <a:xfrm>
+            <a:off x="202509" y="332655"/>
+            <a:ext cx="11786982" cy="6192690"/>
+          </a:xfrm>
+          <a:prstGeom prst="rect">
+            <a:avLst/>
+          </a:prstGeom>
+        </p:spPr>
+      </p:pic>
+    </p:spTree>
+    <p:extLst>
+      <p:ext uri="{BB962C8B-B14F-4D97-AF65-F5344CB8AC3E}">
+        <p14:creationId xmlns:p14="http://schemas.microsoft.com/office/powerpoint/2010/main" val="2721606259"/>
+      </p:ext>
+    </p:extLst>
+  </p:cSld>
+  <p:clrMapOvr>
+    <a:masterClrMapping/>
+  </p:clrMapOvr>
+  <mc:AlternateContent xmlns:mc="http://schemas.openxmlformats.org/markup-compatibility/2006" xmlns:p14="http://schemas.microsoft.com/office/powerpoint/2010/main">
+    <mc:Choice Requires="p14">
+      <p:transition p14:dur="100">
+        <p:cut/>
+      </p:transition>
+    </mc:Choice>
+    <mc:Fallback xmlns="">
+      <p:transition>
+        <p:cut/>
+      </p:transition>
+    </mc:Fallback>
+  </mc:AlternateContent>
+</p:sld>
+</file>
+
+<file path=ppt/slides/slide21.xml><?xml version="1.0" encoding="utf-8"?>
+<p:sld xmlns:a="http://schemas.openxmlformats.org/drawingml/2006/main" xmlns:r="http://schemas.openxmlformats.org/officeDocument/2006/relationships" xmlns:p="http://schemas.openxmlformats.org/presentationml/2006/main">
+  <p:cSld>
+    <p:bg>
+      <p:bgPr>
+        <a:noFill/>
+        <a:effectLst/>
+      </p:bgPr>
+    </p:bg>
+    <p:spTree>
+      <p:nvGrpSpPr>
+        <p:cNvPr id="1" name="">
+          <a:extLst>
+            <a:ext uri="{FF2B5EF4-FFF2-40B4-BE49-F238E27FC236}">
+              <a16:creationId xmlns:a16="http://schemas.microsoft.com/office/drawing/2014/main" id="{7DA5E251-E5CE-AD69-A484-C3075C1824F3}"/>
+            </a:ext>
+          </a:extLst>
+        </p:cNvPr>
+        <p:cNvGrpSpPr/>
+        <p:nvPr/>
+      </p:nvGrpSpPr>
+      <p:grpSpPr>
+        <a:xfrm>
+          <a:off x="0" y="0"/>
+          <a:ext cx="0" cy="0"/>
+          <a:chOff x="0" y="0"/>
+          <a:chExt cx="0" cy="0"/>
+        </a:xfrm>
+      </p:grpSpPr>
+      <p:pic>
+        <p:nvPicPr>
+          <p:cNvPr id="4" name="Imagem 3">
+            <a:extLst>
+              <a:ext uri="{FF2B5EF4-FFF2-40B4-BE49-F238E27FC236}">
+                <a16:creationId xmlns:a16="http://schemas.microsoft.com/office/drawing/2014/main" id="{CB322958-2C57-81B1-FBA5-6F961DF9CA6E}"/>
+              </a:ext>
+            </a:extLst>
+          </p:cNvPr>
+          <p:cNvPicPr>
+            <a:picLocks noChangeAspect="1"/>
+          </p:cNvPicPr>
+          <p:nvPr/>
+        </p:nvPicPr>
+        <p:blipFill>
+          <a:blip r:embed="rId2"/>
+          <a:stretch>
+            <a:fillRect/>
+          </a:stretch>
+        </p:blipFill>
+        <p:spPr>
+          <a:xfrm>
+            <a:off x="1775520" y="329525"/>
+            <a:ext cx="8640960" cy="6198950"/>
+          </a:xfrm>
+          <a:prstGeom prst="rect">
+            <a:avLst/>
+          </a:prstGeom>
+        </p:spPr>
+      </p:pic>
+    </p:spTree>
+    <p:extLst>
+      <p:ext uri="{BB962C8B-B14F-4D97-AF65-F5344CB8AC3E}">
+        <p14:creationId xmlns:p14="http://schemas.microsoft.com/office/powerpoint/2010/main" val="3868989634"/>
+      </p:ext>
+    </p:extLst>
+  </p:cSld>
+  <p:clrMapOvr>
+    <a:masterClrMapping/>
+  </p:clrMapOvr>
+  <mc:AlternateContent xmlns:mc="http://schemas.openxmlformats.org/markup-compatibility/2006" xmlns:p14="http://schemas.microsoft.com/office/powerpoint/2010/main">
+    <mc:Choice Requires="p14">
+      <p:transition p14:dur="100">
+        <p:cut/>
+      </p:transition>
+    </mc:Choice>
+    <mc:Fallback xmlns="">
+      <p:transition>
+        <p:cut/>
+      </p:transition>
+    </mc:Fallback>
+  </mc:AlternateContent>
 </p:sld>
 </file>
 
